--- a/poster_final.pptx
+++ b/poster_final.pptx
@@ -197,7 +197,7 @@
           <a:p>
             <a:fld id="{D05BA3C1-A2FA-4DD9-A332-62E108692C58}" type="datetimeFigureOut">
               <a:rPr lang="en-US" smtClean="0"/>
-              <a:t>8/2/2019</a:t>
+              <a:t>8/5/2019</a:t>
             </a:fld>
             <a:endParaRPr lang="en-US"/>
           </a:p>
@@ -679,7 +679,7 @@
           <a:p>
             <a:fld id="{6439AD4E-72F5-4BC0-BDEA-F00CBA981FE4}" type="datetimeFigureOut">
               <a:rPr lang="en-US" smtClean="0"/>
-              <a:t>8/2/2019</a:t>
+              <a:t>8/5/2019</a:t>
             </a:fld>
             <a:endParaRPr lang="en-US"/>
           </a:p>
@@ -849,7 +849,7 @@
           <a:p>
             <a:fld id="{6439AD4E-72F5-4BC0-BDEA-F00CBA981FE4}" type="datetimeFigureOut">
               <a:rPr lang="en-US" smtClean="0"/>
-              <a:t>8/2/2019</a:t>
+              <a:t>8/5/2019</a:t>
             </a:fld>
             <a:endParaRPr lang="en-US"/>
           </a:p>
@@ -1029,7 +1029,7 @@
           <a:p>
             <a:fld id="{6439AD4E-72F5-4BC0-BDEA-F00CBA981FE4}" type="datetimeFigureOut">
               <a:rPr lang="en-US" smtClean="0"/>
-              <a:t>8/2/2019</a:t>
+              <a:t>8/5/2019</a:t>
             </a:fld>
             <a:endParaRPr lang="en-US"/>
           </a:p>
@@ -1199,7 +1199,7 @@
           <a:p>
             <a:fld id="{6439AD4E-72F5-4BC0-BDEA-F00CBA981FE4}" type="datetimeFigureOut">
               <a:rPr lang="en-US" smtClean="0"/>
-              <a:t>8/2/2019</a:t>
+              <a:t>8/5/2019</a:t>
             </a:fld>
             <a:endParaRPr lang="en-US"/>
           </a:p>
@@ -1443,7 +1443,7 @@
           <a:p>
             <a:fld id="{6439AD4E-72F5-4BC0-BDEA-F00CBA981FE4}" type="datetimeFigureOut">
               <a:rPr lang="en-US" smtClean="0"/>
-              <a:t>8/2/2019</a:t>
+              <a:t>8/5/2019</a:t>
             </a:fld>
             <a:endParaRPr lang="en-US"/>
           </a:p>
@@ -1675,7 +1675,7 @@
           <a:p>
             <a:fld id="{6439AD4E-72F5-4BC0-BDEA-F00CBA981FE4}" type="datetimeFigureOut">
               <a:rPr lang="en-US" smtClean="0"/>
-              <a:t>8/2/2019</a:t>
+              <a:t>8/5/2019</a:t>
             </a:fld>
             <a:endParaRPr lang="en-US"/>
           </a:p>
@@ -2042,7 +2042,7 @@
           <a:p>
             <a:fld id="{6439AD4E-72F5-4BC0-BDEA-F00CBA981FE4}" type="datetimeFigureOut">
               <a:rPr lang="en-US" smtClean="0"/>
-              <a:t>8/2/2019</a:t>
+              <a:t>8/5/2019</a:t>
             </a:fld>
             <a:endParaRPr lang="en-US"/>
           </a:p>
@@ -2160,7 +2160,7 @@
           <a:p>
             <a:fld id="{6439AD4E-72F5-4BC0-BDEA-F00CBA981FE4}" type="datetimeFigureOut">
               <a:rPr lang="en-US" smtClean="0"/>
-              <a:t>8/2/2019</a:t>
+              <a:t>8/5/2019</a:t>
             </a:fld>
             <a:endParaRPr lang="en-US"/>
           </a:p>
@@ -2255,7 +2255,7 @@
           <a:p>
             <a:fld id="{6439AD4E-72F5-4BC0-BDEA-F00CBA981FE4}" type="datetimeFigureOut">
               <a:rPr lang="en-US" smtClean="0"/>
-              <a:t>8/2/2019</a:t>
+              <a:t>8/5/2019</a:t>
             </a:fld>
             <a:endParaRPr lang="en-US"/>
           </a:p>
@@ -2532,7 +2532,7 @@
           <a:p>
             <a:fld id="{6439AD4E-72F5-4BC0-BDEA-F00CBA981FE4}" type="datetimeFigureOut">
               <a:rPr lang="en-US" smtClean="0"/>
-              <a:t>8/2/2019</a:t>
+              <a:t>8/5/2019</a:t>
             </a:fld>
             <a:endParaRPr lang="en-US"/>
           </a:p>
@@ -2789,7 +2789,7 @@
           <a:p>
             <a:fld id="{6439AD4E-72F5-4BC0-BDEA-F00CBA981FE4}" type="datetimeFigureOut">
               <a:rPr lang="en-US" smtClean="0"/>
-              <a:t>8/2/2019</a:t>
+              <a:t>8/5/2019</a:t>
             </a:fld>
             <a:endParaRPr lang="en-US"/>
           </a:p>
@@ -3002,7 +3002,7 @@
           <a:p>
             <a:fld id="{6439AD4E-72F5-4BC0-BDEA-F00CBA981FE4}" type="datetimeFigureOut">
               <a:rPr lang="en-US" smtClean="0"/>
-              <a:t>8/2/2019</a:t>
+              <a:t>8/5/2019</a:t>
             </a:fld>
             <a:endParaRPr lang="en-US"/>
           </a:p>
@@ -3397,13 +3397,13 @@
       <p:bgPr>
         <a:gradFill>
           <a:gsLst>
-            <a:gs pos="95000">
+            <a:gs pos="96000">
               <a:schemeClr val="accent5">
                 <a:lumMod val="20000"/>
                 <a:lumOff val="80000"/>
               </a:schemeClr>
             </a:gs>
-            <a:gs pos="9000">
+            <a:gs pos="6000">
               <a:schemeClr val="bg1"/>
             </a:gs>
             <a:gs pos="68000">
@@ -3418,7 +3418,7 @@
                 <a:lumOff val="80000"/>
               </a:schemeClr>
             </a:gs>
-            <a:gs pos="33000">
+            <a:gs pos="24000">
               <a:schemeClr val="accent6">
                 <a:lumMod val="20000"/>
                 <a:lumOff val="80000"/>
@@ -3478,6 +3478,7 @@
           </a:bodyPr>
           <a:lstStyle/>
           <a:p>
+            <a:pPr algn="ctr"/>
             <a:r>
               <a:rPr lang="en-US" sz="9600" b="1" dirty="0">
                 <a:latin typeface="Gill Sans MT" panose="020B0502020104020203" pitchFamily="34" charset="0"/>
@@ -3486,6 +3487,7 @@
             </a:r>
           </a:p>
           <a:p>
+            <a:pPr algn="ctr"/>
             <a:r>
               <a:rPr lang="en-US" sz="7200" b="1" dirty="0">
                 <a:latin typeface="Gill Sans MT" panose="020B0502020104020203" pitchFamily="34" charset="0"/>
@@ -3494,6 +3496,7 @@
             </a:r>
           </a:p>
           <a:p>
+            <a:pPr algn="ctr"/>
             <a:r>
               <a:rPr lang="en-US" sz="6000" dirty="0">
                 <a:latin typeface="Gill Sans MT" panose="020B0502020104020203" pitchFamily="34" charset="0"/>
@@ -3502,6 +3505,7 @@
             </a:r>
           </a:p>
           <a:p>
+            <a:pPr algn="ctr"/>
             <a:r>
               <a:rPr lang="en-US" sz="6000" i="1" dirty="0">
                 <a:latin typeface="Gill Sans MT" panose="020B0502020104020203" pitchFamily="34" charset="0"/>
@@ -3550,7 +3554,7 @@
         </p:blipFill>
         <p:spPr bwMode="auto">
           <a:xfrm>
-            <a:off x="23413938" y="40861681"/>
+            <a:off x="23354066" y="40600423"/>
             <a:ext cx="5701553" cy="2622714"/>
           </a:xfrm>
           <a:prstGeom prst="rect">
@@ -3607,7 +3611,7 @@
         </p:blipFill>
         <p:spPr bwMode="auto">
           <a:xfrm>
-            <a:off x="29115491" y="40836047"/>
+            <a:off x="29115491" y="40560275"/>
             <a:ext cx="2680721" cy="2531098"/>
           </a:xfrm>
           <a:prstGeom prst="rect">
@@ -3639,8 +3643,8 @@
         </p:nvSpPr>
         <p:spPr>
           <a:xfrm>
-            <a:off x="855406" y="5773311"/>
-            <a:ext cx="12231944" cy="8945620"/>
+            <a:off x="640294" y="5468511"/>
+            <a:ext cx="12447056" cy="8945620"/>
           </a:xfrm>
           <a:prstGeom prst="roundRect">
             <a:avLst>
@@ -3742,7 +3746,7 @@
                 </a:solidFill>
                 <a:latin typeface="Gill Sans MT" panose="020B0502020104020203" pitchFamily="34" charset="0"/>
               </a:rPr>
-              <a:t>		Machine learning can achieve accuracy on a specific task, but fail to be effective across domains First, training a new model requires an unsustainable amount of manually generated training data. Second, machine learning struggles to deal overlapping terminology, such as the use of “cell” in “cell biology” and “battery cell.”</a:t>
+              <a:t>		Machine learning can achieve accuracy on a specific task, but fails to be effective across domains. First, training a new model requires an unsustainable amount of manually generated training data. Second, machine learning struggles to handle overlapping terminology, such as the use of “cell” in “cell biology” versus “battery cell.”</a:t>
             </a:r>
             <a:endParaRPr lang="en-US" sz="4800" dirty="0">
               <a:solidFill>
@@ -3767,8 +3771,8 @@
         </p:nvSpPr>
         <p:spPr>
           <a:xfrm>
-            <a:off x="716495" y="15318109"/>
-            <a:ext cx="25224988" cy="10467970"/>
+            <a:off x="640294" y="15013309"/>
+            <a:ext cx="25301189" cy="10285850"/>
           </a:xfrm>
           <a:prstGeom prst="roundRect">
             <a:avLst>
@@ -3843,7 +3847,7 @@
                 </a:solidFill>
                 <a:latin typeface="Gill Sans MT" panose="020B0502020104020203" pitchFamily="34" charset="0"/>
               </a:rPr>
-              <a:t>a web of objects connected via relations. It relies on the RDF data format, which stores information in subject-object-predicate triplets. If we consider the R&amp;R terms as potential subjects and objects, then our description of a document could be greatly enhanced by identifying the predicates that connect them. </a:t>
+              <a:t>a web of objects connected by relations. It relies on the RDF data format, which stores information in subject-object-predicate triplets. If we consider the R&amp;R terms as potential subjects and objects, then our description of a document could be greatly enhanced by identifying the predicates that connect them. </a:t>
             </a:r>
           </a:p>
           <a:p>
@@ -3886,7 +3890,7 @@
         </p:nvSpPr>
         <p:spPr>
           <a:xfrm>
-            <a:off x="640294" y="26401326"/>
+            <a:off x="640294" y="25949041"/>
             <a:ext cx="22301645" cy="13123064"/>
           </a:xfrm>
           <a:prstGeom prst="roundRect">
@@ -4101,7 +4105,7 @@
         </p:nvSpPr>
         <p:spPr>
           <a:xfrm>
-            <a:off x="13716000" y="5773310"/>
+            <a:off x="13716000" y="5468510"/>
             <a:ext cx="18346994" cy="8929553"/>
           </a:xfrm>
           <a:prstGeom prst="roundRect">
@@ -4174,7 +4178,7 @@
                 </a:solidFill>
                 <a:latin typeface="Gill Sans MT" panose="020B0502020104020203" pitchFamily="34" charset="0"/>
               </a:rPr>
-              <a:t>	We take advantage of a novel natural language processing approach called root-and-rule (R&amp;R). R&amp;R is inspired by the Sanskrit method for constructing sentences, which starts from root terms and follows preset rules to build up to sentences. By conceptualizing English sentences in this format, we have developed a process to extract R&amp;R terms from sentences.</a:t>
+              <a:t>	We take advantage of a novel natural language processing approach called root-and-rule (R&amp;R). R&amp;R is inspired by the Sanskrit method for constructing sentences, which starts from root terms and follows predefined rules to build up to sentences. By conceptualizing English sentences in this format, we have developed a process to extract R&amp;R terms from sentences.</a:t>
             </a:r>
           </a:p>
           <a:p>
@@ -4198,7 +4202,7 @@
                 </a:solidFill>
                 <a:latin typeface="Gill Sans MT" panose="020B0502020104020203" pitchFamily="34" charset="0"/>
               </a:rPr>
-              <a:t>																terms from a PDFs of scientific articles. This </a:t>
+              <a:t>																terms from PDFs of scientific articles. This </a:t>
             </a:r>
           </a:p>
           <a:p>
@@ -4210,7 +4214,7 @@
                 </a:solidFill>
                 <a:latin typeface="Gill Sans MT" panose="020B0502020104020203" pitchFamily="34" charset="0"/>
               </a:rPr>
-              <a:t>																				enabled us to generate several R&amp;R </a:t>
+              <a:t>																			enabled us to generate several R&amp;R </a:t>
             </a:r>
           </a:p>
           <a:p>
@@ -4271,8 +4275,8 @@
         </p:nvSpPr>
         <p:spPr>
           <a:xfrm>
-            <a:off x="23833392" y="26266055"/>
-            <a:ext cx="8229601" cy="14094450"/>
+            <a:off x="23573263" y="25949040"/>
+            <a:ext cx="8704843" cy="14127244"/>
           </a:xfrm>
           <a:prstGeom prst="roundRect">
             <a:avLst>
@@ -4342,7 +4346,7 @@
                 </a:solidFill>
                 <a:latin typeface="Gill Sans MT" panose="020B0502020104020203" pitchFamily="34" charset="0"/>
               </a:rPr>
-              <a:t>		Machine learning approaches to natural language processing can be effective but struggle to remain applicable across topic domains. R&amp;R can resolve these gaps by providing a generalized framework for the isolation of meaningful terms. Using R&amp;R terms, we can automate the identification of subject-object-predicate triplets and the construction of Semantic Webs. Topic modeling with R&amp;R terms can achieve improvements in complexity and perplexity, while also incorporating a richer diversity of terms. Future work should test these methods on different scientific fields.</a:t>
+              <a:t>		Machine learning approaches to natural language processing cannot be easily applied across topic domains. R&amp;R can resolve these gaps by providing a generalized framework for the isolation of meaningful terms. Using R&amp;R terms, we can automate the identification of subject-object-predicate triplets and the construction of human-friendly Semantic Webs. Topic modeling with R&amp;R terms can achieve improvements in complexity and perplexity, while also incorporating a richer diversity of terms. These results have broad implications for corpus visualization, search tools, and document tagging.</a:t>
             </a:r>
             <a:endParaRPr lang="en-US" sz="4000" dirty="0">
               <a:solidFill>
@@ -4399,7 +4403,7 @@
         </p:blipFill>
         <p:spPr>
           <a:xfrm>
-            <a:off x="13322160" y="11020291"/>
+            <a:off x="13017360" y="10639291"/>
             <a:ext cx="10952201" cy="4992753"/>
           </a:xfrm>
           <a:prstGeom prst="rect">
@@ -4428,8 +4432,8 @@
         </p:nvSpPr>
         <p:spPr>
           <a:xfrm>
-            <a:off x="855406" y="40242449"/>
-            <a:ext cx="22034091" cy="3157763"/>
+            <a:off x="640294" y="39747148"/>
+            <a:ext cx="22249203" cy="3210601"/>
           </a:xfrm>
           <a:prstGeom prst="roundRect">
             <a:avLst>
@@ -4540,8 +4544,8 @@
         </p:nvGrpSpPr>
         <p:grpSpPr>
           <a:xfrm>
-            <a:off x="25453580" y="15373137"/>
-            <a:ext cx="7614440" cy="10758037"/>
+            <a:off x="25453580" y="15068337"/>
+            <a:ext cx="7614440" cy="11262450"/>
             <a:chOff x="25693015" y="14616563"/>
             <a:chExt cx="7614440" cy="10758037"/>
           </a:xfrm>
@@ -4639,7 +4643,7 @@
             <p:spPr>
               <a:xfrm>
                 <a:off x="25818530" y="14141188"/>
-                <a:ext cx="5992170" cy="1938992"/>
+                <a:ext cx="5992170" cy="1852150"/>
               </a:xfrm>
               <a:prstGeom prst="rect">
                 <a:avLst/>
@@ -4657,7 +4661,16 @@
                   <a:rPr lang="en-US" sz="4000" dirty="0">
                     <a:latin typeface="Gill Sans MT" panose="020B0502020104020203" pitchFamily="34" charset="0"/>
                   </a:rPr>
-                  <a:t>“Crystal packing is stabilized by intermolecular forces.”</a:t>
+                  <a:t>“Crystal packing is stabilized by </a:t>
+                </a:r>
+              </a:p>
+              <a:p>
+                <a:pPr algn="ctr"/>
+                <a:r>
+                  <a:rPr lang="en-US" sz="4000" dirty="0">
+                    <a:latin typeface="Gill Sans MT" panose="020B0502020104020203" pitchFamily="34" charset="0"/>
+                  </a:rPr>
+                  <a:t>intermolecular forces.”</a:t>
                 </a:r>
                 <a:endParaRPr lang="en-US" sz="4000" b="1" dirty="0">
                   <a:latin typeface="Gill Sans MT" panose="020B0502020104020203" pitchFamily="34" charset="0"/>
@@ -5040,8 +5053,8 @@
         </p:blipFill>
         <p:spPr>
           <a:xfrm>
-            <a:off x="12394875" y="25692167"/>
-            <a:ext cx="11758008" cy="7291658"/>
+            <a:off x="12335881" y="25333288"/>
+            <a:ext cx="11574686" cy="7177972"/>
           </a:xfrm>
           <a:prstGeom prst="rect">
             <a:avLst/>
@@ -5070,7 +5083,7 @@
         </p:nvGrpSpPr>
         <p:grpSpPr>
           <a:xfrm>
-            <a:off x="1084087" y="33518370"/>
+            <a:off x="1084087" y="33007091"/>
             <a:ext cx="17723137" cy="6006020"/>
             <a:chOff x="2743200" y="33513418"/>
             <a:chExt cx="16561223" cy="5896049"/>
@@ -5286,7 +5299,7 @@
         </p:blipFill>
         <p:spPr>
           <a:xfrm>
-            <a:off x="19192865" y="34185109"/>
+            <a:off x="19192865" y="33732824"/>
             <a:ext cx="3080704" cy="7204096"/>
           </a:xfrm>
           <a:prstGeom prst="rect">
